--- a/docs/CDN-Video-Uploader-UI-Prototype.pptx
+++ b/docs/CDN-Video-Uploader-UI-Prototype.pptx
@@ -261,7 +261,7 @@
           <a:p>
             <a:fld id="{F61282EC-E228-4D2B-893C-02B4BF0B9A46}" type="datetimeFigureOut">
               <a:rPr lang="en-US" smtClean="0"/>
-              <a:t>29-Oct-20</a:t>
+              <a:t>10-Nov-20</a:t>
             </a:fld>
             <a:endParaRPr lang="en-US"/>
           </a:p>
@@ -459,7 +459,7 @@
           <a:p>
             <a:fld id="{F61282EC-E228-4D2B-893C-02B4BF0B9A46}" type="datetimeFigureOut">
               <a:rPr lang="en-US" smtClean="0"/>
-              <a:t>29-Oct-20</a:t>
+              <a:t>10-Nov-20</a:t>
             </a:fld>
             <a:endParaRPr lang="en-US"/>
           </a:p>
@@ -667,7 +667,7 @@
           <a:p>
             <a:fld id="{F61282EC-E228-4D2B-893C-02B4BF0B9A46}" type="datetimeFigureOut">
               <a:rPr lang="en-US" smtClean="0"/>
-              <a:t>29-Oct-20</a:t>
+              <a:t>10-Nov-20</a:t>
             </a:fld>
             <a:endParaRPr lang="en-US"/>
           </a:p>
@@ -865,7 +865,7 @@
           <a:p>
             <a:fld id="{F61282EC-E228-4D2B-893C-02B4BF0B9A46}" type="datetimeFigureOut">
               <a:rPr lang="en-US" smtClean="0"/>
-              <a:t>29-Oct-20</a:t>
+              <a:t>10-Nov-20</a:t>
             </a:fld>
             <a:endParaRPr lang="en-US"/>
           </a:p>
@@ -1140,7 +1140,7 @@
           <a:p>
             <a:fld id="{F61282EC-E228-4D2B-893C-02B4BF0B9A46}" type="datetimeFigureOut">
               <a:rPr lang="en-US" smtClean="0"/>
-              <a:t>29-Oct-20</a:t>
+              <a:t>10-Nov-20</a:t>
             </a:fld>
             <a:endParaRPr lang="en-US"/>
           </a:p>
@@ -1405,7 +1405,7 @@
           <a:p>
             <a:fld id="{F61282EC-E228-4D2B-893C-02B4BF0B9A46}" type="datetimeFigureOut">
               <a:rPr lang="en-US" smtClean="0"/>
-              <a:t>29-Oct-20</a:t>
+              <a:t>10-Nov-20</a:t>
             </a:fld>
             <a:endParaRPr lang="en-US"/>
           </a:p>
@@ -1817,7 +1817,7 @@
           <a:p>
             <a:fld id="{F61282EC-E228-4D2B-893C-02B4BF0B9A46}" type="datetimeFigureOut">
               <a:rPr lang="en-US" smtClean="0"/>
-              <a:t>29-Oct-20</a:t>
+              <a:t>10-Nov-20</a:t>
             </a:fld>
             <a:endParaRPr lang="en-US"/>
           </a:p>
@@ -1958,7 +1958,7 @@
           <a:p>
             <a:fld id="{F61282EC-E228-4D2B-893C-02B4BF0B9A46}" type="datetimeFigureOut">
               <a:rPr lang="en-US" smtClean="0"/>
-              <a:t>29-Oct-20</a:t>
+              <a:t>10-Nov-20</a:t>
             </a:fld>
             <a:endParaRPr lang="en-US"/>
           </a:p>
@@ -2071,7 +2071,7 @@
           <a:p>
             <a:fld id="{F61282EC-E228-4D2B-893C-02B4BF0B9A46}" type="datetimeFigureOut">
               <a:rPr lang="en-US" smtClean="0"/>
-              <a:t>29-Oct-20</a:t>
+              <a:t>10-Nov-20</a:t>
             </a:fld>
             <a:endParaRPr lang="en-US"/>
           </a:p>
@@ -2382,7 +2382,7 @@
           <a:p>
             <a:fld id="{F61282EC-E228-4D2B-893C-02B4BF0B9A46}" type="datetimeFigureOut">
               <a:rPr lang="en-US" smtClean="0"/>
-              <a:t>29-Oct-20</a:t>
+              <a:t>10-Nov-20</a:t>
             </a:fld>
             <a:endParaRPr lang="en-US"/>
           </a:p>
@@ -2670,7 +2670,7 @@
           <a:p>
             <a:fld id="{F61282EC-E228-4D2B-893C-02B4BF0B9A46}" type="datetimeFigureOut">
               <a:rPr lang="en-US" smtClean="0"/>
-              <a:t>29-Oct-20</a:t>
+              <a:t>10-Nov-20</a:t>
             </a:fld>
             <a:endParaRPr lang="en-US"/>
           </a:p>
@@ -2911,7 +2911,7 @@
           <a:p>
             <a:fld id="{F61282EC-E228-4D2B-893C-02B4BF0B9A46}" type="datetimeFigureOut">
               <a:rPr lang="en-US" smtClean="0"/>
-              <a:t>29-Oct-20</a:t>
+              <a:t>10-Nov-20</a:t>
             </a:fld>
             <a:endParaRPr lang="en-US"/>
           </a:p>
@@ -11233,7 +11233,7 @@
                   </a:schemeClr>
                 </a:solidFill>
               </a:rPr>
-              <a:t>[23-Oct-2020 20:51] Nakov-csharp-loops.avi  to 720p:</a:t>
+              <a:t>[23-Oct-2020 20:51] Transcoding Nakov-csharp-loops.avi  to 720p:</a:t>
             </a:r>
             <a:br>
               <a:rPr lang="en-US" sz="1200" dirty="0">
@@ -11355,7 +11355,7 @@
                   </a:schemeClr>
                 </a:solidFill>
               </a:rPr>
-              <a:t>[23-Oct-2020 21:05] Converting Nakov-csharp-loops.avi to 240p:</a:t>
+              <a:t>[23-Oct-2020 21:05] Transcoding Nakov-csharp-loops.avi to 240p:</a:t>
             </a:r>
             <a:br>
               <a:rPr lang="en-US" sz="1200" dirty="0">
@@ -13516,7 +13516,7 @@
                   </a:schemeClr>
                 </a:solidFill>
               </a:rPr>
-              <a:t>[23-Oct-2020 20:51] Nakov-csharp-loops.avi  to 720p:</a:t>
+              <a:t>[23-Oct-2020 20:51] Transcoding Nakov-csharp-loops.avi  to 720p:</a:t>
             </a:r>
             <a:br>
               <a:rPr lang="en-US" sz="1200" dirty="0">
@@ -13638,7 +13638,7 @@
                   </a:schemeClr>
                 </a:solidFill>
               </a:rPr>
-              <a:t>[23-Oct-2020 21:05] Converting Nakov-csharp-loops.avi to 240p:</a:t>
+              <a:t>[23-Oct-2020 21:05] Transcoding Nakov-csharp-loops.avi to 240p:</a:t>
             </a:r>
             <a:br>
               <a:rPr lang="en-US" sz="1200" dirty="0">
